--- a/02-vi, Text Editor.pptx
+++ b/02-vi, Text Editor.pptx
@@ -5,7 +5,7 @@
     <p:sldMasterId id="2147483672" r:id="rId1"/>
   </p:sldMasterIdLst>
   <p:notesMasterIdLst>
-    <p:notesMasterId r:id="rId22"/>
+    <p:notesMasterId r:id="rId23"/>
   </p:notesMasterIdLst>
   <p:sldIdLst>
     <p:sldId id="258" r:id="rId2"/>
@@ -28,6 +28,7 @@
     <p:sldId id="280" r:id="rId19"/>
     <p:sldId id="281" r:id="rId20"/>
     <p:sldId id="277" r:id="rId21"/>
+    <p:sldId id="283" r:id="rId22"/>
   </p:sldIdLst>
   <p:sldSz cx="12192000" cy="6858000"/>
   <p:notesSz cx="6858000" cy="9144000"/>
@@ -230,7 +231,7 @@
           <a:p>
             <a:fld id="{64E27266-3FF6-4923-A87A-4818FC343138}" type="datetimeFigureOut">
               <a:rPr lang="ko-KR" altLang="en-US" smtClean="0"/>
-              <a:t>2020-09-07</a:t>
+              <a:t>2020-09-21</a:t>
             </a:fld>
             <a:endParaRPr lang="ko-KR" altLang="en-US"/>
           </a:p>
@@ -629,7 +630,7 @@
           <a:p>
             <a:fld id="{BDACEEEA-D111-4C49-80FD-9FEF06E83FF4}" type="datetimeFigureOut">
               <a:rPr lang="ko-KR" altLang="en-US" smtClean="0"/>
-              <a:t>2020-09-07</a:t>
+              <a:t>2020-09-21</a:t>
             </a:fld>
             <a:endParaRPr lang="ko-KR" altLang="en-US"/>
           </a:p>
@@ -799,7 +800,7 @@
           <a:p>
             <a:fld id="{BDACEEEA-D111-4C49-80FD-9FEF06E83FF4}" type="datetimeFigureOut">
               <a:rPr lang="ko-KR" altLang="en-US" smtClean="0"/>
-              <a:t>2020-09-07</a:t>
+              <a:t>2020-09-21</a:t>
             </a:fld>
             <a:endParaRPr lang="ko-KR" altLang="en-US"/>
           </a:p>
@@ -979,7 +980,7 @@
           <a:p>
             <a:fld id="{BDACEEEA-D111-4C49-80FD-9FEF06E83FF4}" type="datetimeFigureOut">
               <a:rPr lang="ko-KR" altLang="en-US" smtClean="0"/>
-              <a:t>2020-09-07</a:t>
+              <a:t>2020-09-21</a:t>
             </a:fld>
             <a:endParaRPr lang="ko-KR" altLang="en-US"/>
           </a:p>
@@ -1149,7 +1150,7 @@
           <a:p>
             <a:fld id="{BDACEEEA-D111-4C49-80FD-9FEF06E83FF4}" type="datetimeFigureOut">
               <a:rPr lang="ko-KR" altLang="en-US" smtClean="0"/>
-              <a:t>2020-09-07</a:t>
+              <a:t>2020-09-21</a:t>
             </a:fld>
             <a:endParaRPr lang="ko-KR" altLang="en-US"/>
           </a:p>
@@ -1395,7 +1396,7 @@
           <a:p>
             <a:fld id="{BDACEEEA-D111-4C49-80FD-9FEF06E83FF4}" type="datetimeFigureOut">
               <a:rPr lang="ko-KR" altLang="en-US" smtClean="0"/>
-              <a:t>2020-09-07</a:t>
+              <a:t>2020-09-21</a:t>
             </a:fld>
             <a:endParaRPr lang="ko-KR" altLang="en-US"/>
           </a:p>
@@ -1627,7 +1628,7 @@
           <a:p>
             <a:fld id="{BDACEEEA-D111-4C49-80FD-9FEF06E83FF4}" type="datetimeFigureOut">
               <a:rPr lang="ko-KR" altLang="en-US" smtClean="0"/>
-              <a:t>2020-09-07</a:t>
+              <a:t>2020-09-21</a:t>
             </a:fld>
             <a:endParaRPr lang="ko-KR" altLang="en-US"/>
           </a:p>
@@ -1994,7 +1995,7 @@
           <a:p>
             <a:fld id="{BDACEEEA-D111-4C49-80FD-9FEF06E83FF4}" type="datetimeFigureOut">
               <a:rPr lang="ko-KR" altLang="en-US" smtClean="0"/>
-              <a:t>2020-09-07</a:t>
+              <a:t>2020-09-21</a:t>
             </a:fld>
             <a:endParaRPr lang="ko-KR" altLang="en-US"/>
           </a:p>
@@ -2112,7 +2113,7 @@
           <a:p>
             <a:fld id="{BDACEEEA-D111-4C49-80FD-9FEF06E83FF4}" type="datetimeFigureOut">
               <a:rPr lang="ko-KR" altLang="en-US" smtClean="0"/>
-              <a:t>2020-09-07</a:t>
+              <a:t>2020-09-21</a:t>
             </a:fld>
             <a:endParaRPr lang="ko-KR" altLang="en-US"/>
           </a:p>
@@ -2207,7 +2208,7 @@
           <a:p>
             <a:fld id="{BDACEEEA-D111-4C49-80FD-9FEF06E83FF4}" type="datetimeFigureOut">
               <a:rPr lang="ko-KR" altLang="en-US" smtClean="0"/>
-              <a:t>2020-09-07</a:t>
+              <a:t>2020-09-21</a:t>
             </a:fld>
             <a:endParaRPr lang="ko-KR" altLang="en-US"/>
           </a:p>
@@ -2484,7 +2485,7 @@
           <a:p>
             <a:fld id="{BDACEEEA-D111-4C49-80FD-9FEF06E83FF4}" type="datetimeFigureOut">
               <a:rPr lang="ko-KR" altLang="en-US" smtClean="0"/>
-              <a:t>2020-09-07</a:t>
+              <a:t>2020-09-21</a:t>
             </a:fld>
             <a:endParaRPr lang="ko-KR" altLang="en-US"/>
           </a:p>
@@ -2741,7 +2742,7 @@
           <a:p>
             <a:fld id="{BDACEEEA-D111-4C49-80FD-9FEF06E83FF4}" type="datetimeFigureOut">
               <a:rPr lang="ko-KR" altLang="en-US" smtClean="0"/>
-              <a:t>2020-09-07</a:t>
+              <a:t>2020-09-21</a:t>
             </a:fld>
             <a:endParaRPr lang="ko-KR" altLang="en-US"/>
           </a:p>
@@ -2954,7 +2955,7 @@
           <a:p>
             <a:fld id="{BDACEEEA-D111-4C49-80FD-9FEF06E83FF4}" type="datetimeFigureOut">
               <a:rPr lang="ko-KR" altLang="en-US" smtClean="0"/>
-              <a:t>2020-09-07</a:t>
+              <a:t>2020-09-21</a:t>
             </a:fld>
             <a:endParaRPr lang="ko-KR" altLang="en-US"/>
           </a:p>
@@ -3631,15 +3632,6 @@
               </a:rPr>
               <a:t>삭제 명령</a:t>
             </a:r>
-            <a:endParaRPr lang="ko-KR" altLang="en-US" sz="3300" b="1" dirty="0">
-              <a:effectLst>
-                <a:outerShdw blurRad="38100" dist="38100" dir="2700000" algn="tl">
-                  <a:srgbClr val="000000">
-                    <a:alpha val="43137"/>
-                  </a:srgbClr>
-                </a:outerShdw>
-              </a:effectLst>
-            </a:endParaRPr>
           </a:p>
         </p:txBody>
       </p:sp>
@@ -4650,15 +4642,6 @@
               </a:rPr>
               <a:t>이동</a:t>
             </a:r>
-            <a:endParaRPr lang="ko-KR" altLang="en-US" sz="3300" b="1" dirty="0">
-              <a:effectLst>
-                <a:outerShdw blurRad="38100" dist="38100" dir="2700000" algn="tl">
-                  <a:srgbClr val="000000">
-                    <a:alpha val="43137"/>
-                  </a:srgbClr>
-                </a:outerShdw>
-              </a:effectLst>
-            </a:endParaRPr>
           </a:p>
         </p:txBody>
       </p:sp>
@@ -5379,13 +5362,6 @@
               </a:rPr>
               <a:t>.</a:t>
             </a:r>
-            <a:endParaRPr lang="en-US" altLang="ko-KR" sz="1600" b="1" dirty="0">
-              <a:solidFill>
-                <a:srgbClr val="5B9BD5"/>
-              </a:solidFill>
-              <a:latin typeface="+mj-ea"/>
-              <a:ea typeface="+mj-ea"/>
-            </a:endParaRPr>
           </a:p>
         </p:txBody>
       </p:sp>
@@ -5718,15 +5694,6 @@
               </a:rPr>
               <a:t>기본 명령</a:t>
             </a:r>
-            <a:endParaRPr lang="ko-KR" altLang="en-US" sz="3300" b="1" dirty="0">
-              <a:effectLst>
-                <a:outerShdw blurRad="38100" dist="38100" dir="2700000" algn="tl">
-                  <a:srgbClr val="000000">
-                    <a:alpha val="43137"/>
-                  </a:srgbClr>
-                </a:outerShdw>
-              </a:effectLst>
-            </a:endParaRPr>
           </a:p>
         </p:txBody>
       </p:sp>
@@ -8942,20 +8909,7 @@
                 </a:effectLst>
                 <a:latin typeface="+mj-ea"/>
               </a:rPr>
-              <a:t>Normal </a:t>
-            </a:r>
-            <a:r>
-              <a:rPr lang="en-US" altLang="ko-KR" sz="2400" b="1" dirty="0">
-                <a:effectLst>
-                  <a:outerShdw blurRad="38100" dist="38100" dir="2700000" algn="tl">
-                    <a:srgbClr val="000000">
-                      <a:alpha val="43137"/>
-                    </a:srgbClr>
-                  </a:outerShdw>
-                </a:effectLst>
-                <a:latin typeface="+mj-ea"/>
-              </a:rPr>
-              <a:t>mode</a:t>
+              <a:t>Normal mode</a:t>
             </a:r>
             <a:endParaRPr lang="ko-KR" altLang="en-US" sz="2400" b="1" dirty="0">
               <a:effectLst>
@@ -9052,15 +9006,6 @@
               </a:rPr>
               <a:t>변수 일부</a:t>
             </a:r>
-            <a:endParaRPr lang="ko-KR" altLang="en-US" sz="3300" b="1" dirty="0">
-              <a:effectLst>
-                <a:outerShdw blurRad="38100" dist="38100" dir="2700000" algn="tl">
-                  <a:srgbClr val="000000">
-                    <a:alpha val="43137"/>
-                  </a:srgbClr>
-                </a:outerShdw>
-              </a:effectLst>
-            </a:endParaRPr>
           </a:p>
         </p:txBody>
       </p:sp>
@@ -10510,15 +10455,6 @@
               </a:rPr>
               <a:t>명령어</a:t>
             </a:r>
-            <a:endParaRPr lang="ko-KR" altLang="en-US" sz="3300" b="1" dirty="0">
-              <a:effectLst>
-                <a:outerShdw blurRad="38100" dist="38100" dir="2700000" algn="tl">
-                  <a:srgbClr val="000000">
-                    <a:alpha val="43137"/>
-                  </a:srgbClr>
-                </a:outerShdw>
-              </a:effectLst>
-            </a:endParaRPr>
           </a:p>
         </p:txBody>
       </p:sp>
@@ -12696,15 +12632,6 @@
               </a:rPr>
               <a:t>이전 시간 복습</a:t>
             </a:r>
-            <a:endParaRPr lang="ko-KR" altLang="en-US" sz="3300" b="1" dirty="0">
-              <a:effectLst>
-                <a:outerShdw blurRad="38100" dist="38100" dir="2700000" algn="tl">
-                  <a:srgbClr val="000000">
-                    <a:alpha val="43137"/>
-                  </a:srgbClr>
-                </a:outerShdw>
-              </a:effectLst>
-            </a:endParaRPr>
           </a:p>
         </p:txBody>
       </p:sp>
@@ -13509,6 +13436,67 @@
 </p:sld>
 </file>
 
+<file path=ppt/slides/slide21.xml><?xml version="1.0" encoding="utf-8"?>
+<p:sld xmlns:a="http://schemas.openxmlformats.org/drawingml/2006/main" xmlns:r="http://schemas.openxmlformats.org/officeDocument/2006/relationships" xmlns:p="http://schemas.openxmlformats.org/presentationml/2006/main">
+  <p:cSld>
+    <p:spTree>
+      <p:nvGrpSpPr>
+        <p:cNvPr id="1" name=""/>
+        <p:cNvGrpSpPr/>
+        <p:nvPr/>
+      </p:nvGrpSpPr>
+      <p:grpSpPr>
+        <a:xfrm>
+          <a:off x="0" y="0"/>
+          <a:ext cx="0" cy="0"/>
+          <a:chOff x="0" y="0"/>
+          <a:chExt cx="0" cy="0"/>
+        </a:xfrm>
+      </p:grpSpPr>
+      <p:pic>
+        <p:nvPicPr>
+          <p:cNvPr id="3" name="그림 2"/>
+          <p:cNvPicPr>
+            <a:picLocks noChangeAspect="1"/>
+          </p:cNvPicPr>
+          <p:nvPr/>
+        </p:nvPicPr>
+        <p:blipFill>
+          <a:blip r:embed="rId2"/>
+          <a:stretch>
+            <a:fillRect/>
+          </a:stretch>
+        </p:blipFill>
+        <p:spPr>
+          <a:xfrm>
+            <a:off x="1141507" y="0"/>
+            <a:ext cx="8981255" cy="6858000"/>
+          </a:xfrm>
+          <a:prstGeom prst="rect">
+            <a:avLst/>
+          </a:prstGeom>
+        </p:spPr>
+      </p:pic>
+    </p:spTree>
+    <p:extLst>
+      <p:ext uri="{BB962C8B-B14F-4D97-AF65-F5344CB8AC3E}">
+        <p14:creationId xmlns:p14="http://schemas.microsoft.com/office/powerpoint/2010/main" val="2197985063"/>
+      </p:ext>
+    </p:extLst>
+  </p:cSld>
+  <p:clrMapOvr>
+    <a:masterClrMapping/>
+  </p:clrMapOvr>
+  <p:timing>
+    <p:tnLst>
+      <p:par>
+        <p:cTn id="1" dur="indefinite" restart="never" nodeType="tmRoot"/>
+      </p:par>
+    </p:tnLst>
+  </p:timing>
+</p:sld>
+</file>
+
 <file path=ppt/slides/slide3.xml><?xml version="1.0" encoding="utf-8"?>
 <p:sld xmlns:a="http://schemas.openxmlformats.org/drawingml/2006/main" xmlns:r="http://schemas.openxmlformats.org/officeDocument/2006/relationships" xmlns:p="http://schemas.openxmlformats.org/presentationml/2006/main">
   <p:cSld>
@@ -13570,15 +13558,6 @@
               </a:rPr>
               <a:t>소개</a:t>
             </a:r>
-            <a:endParaRPr lang="ko-KR" altLang="en-US" sz="3300" b="1" dirty="0">
-              <a:effectLst>
-                <a:outerShdw blurRad="38100" dist="38100" dir="2700000" algn="tl">
-                  <a:srgbClr val="000000">
-                    <a:alpha val="43137"/>
-                  </a:srgbClr>
-                </a:outerShdw>
-              </a:effectLst>
-            </a:endParaRPr>
           </a:p>
         </p:txBody>
       </p:sp>
@@ -13813,15 +13792,6 @@
               </a:rPr>
               <a:t>실행</a:t>
             </a:r>
-            <a:endParaRPr lang="ko-KR" altLang="en-US" sz="3300" b="1" dirty="0">
-              <a:effectLst>
-                <a:outerShdw blurRad="38100" dist="38100" dir="2700000" algn="tl">
-                  <a:srgbClr val="000000">
-                    <a:alpha val="43137"/>
-                  </a:srgbClr>
-                </a:outerShdw>
-              </a:effectLst>
-            </a:endParaRPr>
           </a:p>
         </p:txBody>
       </p:sp>
@@ -14289,7 +14259,19 @@
                   </a:outerShdw>
                 </a:effectLst>
               </a:rPr>
-              <a:t> </a:t>
+              <a:t> → </a:t>
+            </a:r>
+            <a:r>
+              <a:rPr lang="ko-KR" altLang="en-US" sz="3300" b="1" dirty="0">
+                <a:effectLst>
+                  <a:outerShdw blurRad="38100" dist="38100" dir="2700000" algn="tl">
+                    <a:srgbClr val="000000">
+                      <a:alpha val="43137"/>
+                    </a:srgbClr>
+                  </a:outerShdw>
+                </a:effectLst>
+              </a:rPr>
+              <a:t>편집 </a:t>
             </a:r>
             <a:r>
               <a:rPr lang="en-US" altLang="ko-KR" sz="3300" b="1" dirty="0">
@@ -14313,41 +14295,8 @@
                   </a:outerShdw>
                 </a:effectLst>
               </a:rPr>
-              <a:t>편집 </a:t>
-            </a:r>
-            <a:r>
-              <a:rPr lang="en-US" altLang="ko-KR" sz="3300" b="1" dirty="0">
-                <a:effectLst>
-                  <a:outerShdw blurRad="38100" dist="38100" dir="2700000" algn="tl">
-                    <a:srgbClr val="000000">
-                      <a:alpha val="43137"/>
-                    </a:srgbClr>
-                  </a:outerShdw>
-                </a:effectLst>
-              </a:rPr>
-              <a:t>→ </a:t>
-            </a:r>
-            <a:r>
-              <a:rPr lang="ko-KR" altLang="en-US" sz="3300" b="1" dirty="0">
-                <a:effectLst>
-                  <a:outerShdw blurRad="38100" dist="38100" dir="2700000" algn="tl">
-                    <a:srgbClr val="000000">
-                      <a:alpha val="43137"/>
-                    </a:srgbClr>
-                  </a:outerShdw>
-                </a:effectLst>
-              </a:rPr>
               <a:t>종료</a:t>
             </a:r>
-            <a:endParaRPr lang="ko-KR" altLang="en-US" sz="3300" b="1" dirty="0">
-              <a:effectLst>
-                <a:outerShdw blurRad="38100" dist="38100" dir="2700000" algn="tl">
-                  <a:srgbClr val="000000">
-                    <a:alpha val="43137"/>
-                  </a:srgbClr>
-                </a:outerShdw>
-              </a:effectLst>
-            </a:endParaRPr>
           </a:p>
         </p:txBody>
       </p:sp>
@@ -18203,31 +18152,7 @@
                   </a:outerShdw>
                 </a:effectLst>
               </a:rPr>
-              <a:t>Normal mode </a:t>
-            </a:r>
-            <a:r>
-              <a:rPr lang="en-US" altLang="ko-KR" sz="3300" b="1" dirty="0">
-                <a:effectLst>
-                  <a:outerShdw blurRad="38100" dist="38100" dir="2700000" algn="tl">
-                    <a:srgbClr val="000000">
-                      <a:alpha val="43137"/>
-                    </a:srgbClr>
-                  </a:outerShdw>
-                </a:effectLst>
-              </a:rPr>
-              <a:t>→ </a:t>
-            </a:r>
-            <a:r>
-              <a:rPr lang="en-US" altLang="ko-KR" sz="3300" b="1" dirty="0">
-                <a:effectLst>
-                  <a:outerShdw blurRad="38100" dist="38100" dir="2700000" algn="tl">
-                    <a:srgbClr val="000000">
-                      <a:alpha val="43137"/>
-                    </a:srgbClr>
-                  </a:outerShdw>
-                </a:effectLst>
-              </a:rPr>
-              <a:t>Insert mode</a:t>
+              <a:t>Normal mode → Insert mode</a:t>
             </a:r>
             <a:r>
               <a:rPr lang="ko-KR" altLang="en-US" sz="3300" b="1" dirty="0">
